--- a/11-15 rounds/Don't Trip - 12 rounds - Comstock/Don't Trip.pptx
+++ b/11-15 rounds/Don't Trip - 12 rounds - Comstock/Don't Trip.pptx
@@ -258,7 +258,7 @@
               <a:pPr>
                 <a:defRPr/>
               </a:pPr>
-              <a:t>8/27/2019</a:t>
+              <a:t>8/29/2019</a:t>
             </a:fld>
             <a:endParaRPr lang="en-US"/>
           </a:p>
@@ -5259,10 +5259,10 @@
       </p:pic>
       <p:pic>
         <p:nvPicPr>
-          <p:cNvPr id="3" name="Picture 2">
+          <p:cNvPr id="2" name="Picture 1">
             <a:extLst>
               <a:ext uri="{FF2B5EF4-FFF2-40B4-BE49-F238E27FC236}">
-                <a16:creationId xmlns:a16="http://schemas.microsoft.com/office/drawing/2014/main" id="{90BA219E-F8A1-41A4-8D1D-F1A35A9D1DE6}"/>
+                <a16:creationId xmlns:a16="http://schemas.microsoft.com/office/drawing/2014/main" id="{3836CC73-988F-4565-BCBA-3E1CEFCC00BB}"/>
               </a:ext>
             </a:extLst>
           </p:cNvPr>
@@ -5279,8 +5279,8 @@
         </p:blipFill>
         <p:spPr>
           <a:xfrm>
-            <a:off x="1661020" y="3172893"/>
-            <a:ext cx="4246271" cy="6204597"/>
+            <a:off x="1628139" y="3220245"/>
+            <a:ext cx="4130445" cy="6157245"/>
           </a:xfrm>
           <a:prstGeom prst="rect">
             <a:avLst/>

--- a/11-15 rounds/Don't Trip - 12 rounds - Comstock/Don't Trip.pptx
+++ b/11-15 rounds/Don't Trip - 12 rounds - Comstock/Don't Trip.pptx
@@ -5,10 +5,11 @@
     <p:sldMasterId id="2147483648" r:id="rId1"/>
   </p:sldMasterIdLst>
   <p:notesMasterIdLst>
-    <p:notesMasterId r:id="rId3"/>
+    <p:notesMasterId r:id="rId4"/>
   </p:notesMasterIdLst>
   <p:sldIdLst>
     <p:sldId id="274" r:id="rId2"/>
+    <p:sldId id="288" r:id="rId3"/>
   </p:sldIdLst>
   <p:sldSz cx="7315200" cy="9601200"/>
   <p:notesSz cx="6858000" cy="9144000"/>
@@ -258,7 +259,7 @@
               <a:pPr>
                 <a:defRPr/>
               </a:pPr>
-              <a:t>8/29/2019</a:t>
+              <a:t>9/5/2019</a:t>
             </a:fld>
             <a:endParaRPr lang="en-US"/>
           </a:p>
@@ -4159,7 +4160,7 @@
           <p:nvPr>
             <p:extLst>
               <p:ext uri="{D42A27DB-BD31-4B8C-83A1-F6EECF244321}">
-                <p14:modId xmlns:p14="http://schemas.microsoft.com/office/powerpoint/2010/main" val="3997330656"/>
+                <p14:modId xmlns:p14="http://schemas.microsoft.com/office/powerpoint/2010/main" val="2968771251"/>
               </p:ext>
             </p:extLst>
           </p:nvPr>
@@ -4709,7 +4710,7 @@
                           <a:ea typeface="Arial" pitchFamily="34"/>
                           <a:cs typeface="Arial" pitchFamily="34"/>
                         </a:rPr>
-                        <a:t>GUN READY CONDITION : Pistol loaded and holstered. PCC loaded, buttstock on belt, weak hand relaxed at side.</a:t>
+                        <a:t>GUN READY CONDITION : Pistol loaded and holstered. PCC loaded, shouldered, muzzle pointed at cone.</a:t>
                       </a:r>
                       <a:endParaRPr kumimoji="0" lang="en-US" sz="1100" b="1" i="0" u="none" strike="noStrike" cap="none" normalizeH="0" baseline="0" dirty="0">
                         <a:ln>
@@ -5288,6 +5289,112 @@
         </p:spPr>
       </p:pic>
     </p:spTree>
+  </p:cSld>
+  <p:clrMapOvr>
+    <a:masterClrMapping/>
+  </p:clrMapOvr>
+</p:sld>
+</file>
+
+<file path=ppt/slides/slide2.xml><?xml version="1.0" encoding="utf-8"?>
+<p:sld xmlns:a="http://schemas.openxmlformats.org/drawingml/2006/main" xmlns:r="http://schemas.openxmlformats.org/officeDocument/2006/relationships" xmlns:p="http://schemas.openxmlformats.org/presentationml/2006/main">
+  <p:cSld>
+    <p:spTree>
+      <p:nvGrpSpPr>
+        <p:cNvPr id="1" name=""/>
+        <p:cNvGrpSpPr/>
+        <p:nvPr/>
+      </p:nvGrpSpPr>
+      <p:grpSpPr>
+        <a:xfrm>
+          <a:off x="0" y="0"/>
+          <a:ext cx="0" cy="0"/>
+          <a:chOff x="0" y="0"/>
+          <a:chExt cx="0" cy="0"/>
+        </a:xfrm>
+      </p:grpSpPr>
+      <p:sp>
+        <p:nvSpPr>
+          <p:cNvPr id="2" name="TextBox 1">
+            <a:extLst>
+              <a:ext uri="{FF2B5EF4-FFF2-40B4-BE49-F238E27FC236}">
+                <a16:creationId xmlns:a16="http://schemas.microsoft.com/office/drawing/2014/main" id="{3385E329-E79C-4039-BFCF-DCB1C2897DEA}"/>
+              </a:ext>
+            </a:extLst>
+          </p:cNvPr>
+          <p:cNvSpPr txBox="1"/>
+          <p:nvPr/>
+        </p:nvSpPr>
+        <p:spPr>
+          <a:xfrm>
+            <a:off x="341832" y="384561"/>
+            <a:ext cx="6699903" cy="4247317"/>
+          </a:xfrm>
+          <a:prstGeom prst="rect">
+            <a:avLst/>
+          </a:prstGeom>
+          <a:noFill/>
+        </p:spPr>
+        <p:txBody>
+          <a:bodyPr wrap="square" rtlCol="0">
+            <a:spAutoFit/>
+          </a:bodyPr>
+          <a:lstStyle/>
+          <a:p>
+            <a:pPr algn="ctr"/>
+            <a:r>
+              <a:rPr lang="en-US" b="1" dirty="0"/>
+              <a:t>Don’t Trip</a:t>
+            </a:r>
+          </a:p>
+          <a:p>
+            <a:pPr algn="ctr"/>
+            <a:r>
+              <a:rPr lang="en-US" b="1" dirty="0"/>
+              <a:t>Written Stage Briefing</a:t>
+            </a:r>
+          </a:p>
+          <a:p>
+            <a:r>
+              <a:rPr lang="en-US" dirty="0"/>
+              <a:t>Don’t Trip is a 12 round, 60 point, Comstock Short Course. There are four USPSA targets, two Colt Speed Steel poppers, and two mini poppers. The best two hits per target will score. Steel must fall to score. The start signal is audible.</a:t>
+            </a:r>
+          </a:p>
+          <a:p>
+            <a:endParaRPr lang="en-US" dirty="0"/>
+          </a:p>
+          <a:p>
+            <a:r>
+              <a:rPr lang="en-US" dirty="0"/>
+              <a:t>Handgun start position is feet on X’s, wrists below belt. Handgun is loaded and holstered</a:t>
+            </a:r>
+          </a:p>
+          <a:p>
+            <a:endParaRPr lang="en-US" dirty="0"/>
+          </a:p>
+          <a:p>
+            <a:r>
+              <a:rPr lang="en-US" dirty="0"/>
+              <a:t>PCC start position is feet on X’s, loaded carbine held in both hands, safety on, shouldered, muzzle pointed at cone.</a:t>
+            </a:r>
+          </a:p>
+          <a:p>
+            <a:endParaRPr lang="en-US" dirty="0"/>
+          </a:p>
+          <a:p>
+            <a:r>
+              <a:rPr lang="en-US" dirty="0"/>
+              <a:t>Upon start signal, engage targets as they become available from within the shooting area.</a:t>
+            </a:r>
+          </a:p>
+        </p:txBody>
+      </p:sp>
+    </p:spTree>
+    <p:extLst>
+      <p:ext uri="{BB962C8B-B14F-4D97-AF65-F5344CB8AC3E}">
+        <p14:creationId xmlns:p14="http://schemas.microsoft.com/office/powerpoint/2010/main" val="2536253080"/>
+      </p:ext>
+    </p:extLst>
   </p:cSld>
   <p:clrMapOvr>
     <a:masterClrMapping/>
